--- a/PPT/DeepLearning11-KerasModels.pptx
+++ b/PPT/DeepLearning11-KerasModels.pptx
@@ -13,8 +13,8 @@
   <p:sldIdLst>
     <p:sldId id="264" r:id="rId2"/>
     <p:sldId id="349" r:id="rId3"/>
-    <p:sldId id="352" r:id="rId4"/>
-    <p:sldId id="351" r:id="rId5"/>
+    <p:sldId id="360" r:id="rId4"/>
+    <p:sldId id="352" r:id="rId5"/>
     <p:sldId id="353" r:id="rId6"/>
     <p:sldId id="354" r:id="rId7"/>
     <p:sldId id="355" r:id="rId8"/>
@@ -3699,13 +3699,8 @@
             <a:pPr eaLnBrk="1" hangingPunct="1"/>
             <a:r>
               <a:rPr lang="fr-FR" altLang="fr-FR" dirty="0" smtClean="0"/>
-              <a:t>Chapitre </a:t>
-            </a:r>
-            <a:r>
-              <a:rPr lang="fr-FR" altLang="fr-FR" dirty="0" smtClean="0"/>
-              <a:t>11</a:t>
-            </a:r>
-            <a:endParaRPr lang="fr-FR" altLang="fr-FR" dirty="0" smtClean="0"/>
+              <a:t>Chapitre 11</a:t>
+            </a:r>
           </a:p>
           <a:p>
             <a:pPr eaLnBrk="1" hangingPunct="1"/>
@@ -4209,7 +4204,15 @@
           <a:p>
             <a:r>
               <a:rPr lang="fr-FR" dirty="0" smtClean="0"/>
-              <a:t>VGG16</a:t>
+              <a:t>Mon premier </a:t>
+            </a:r>
+            <a:r>
+              <a:rPr lang="fr-FR" dirty="0" err="1" smtClean="0"/>
+              <a:t>Deep</a:t>
+            </a:r>
+            <a:r>
+              <a:rPr lang="fr-FR" dirty="0" smtClean="0"/>
+              <a:t> Network : VGG16</a:t>
             </a:r>
             <a:endParaRPr lang="fr-FR" dirty="0"/>
           </a:p>
@@ -4231,99 +4234,76 @@
           <a:lstStyle/>
           <a:p>
             <a:r>
-              <a:rPr lang="en-US" dirty="0" err="1" smtClean="0"/>
-              <a:t>Simonyan</a:t>
-            </a:r>
-            <a:r>
-              <a:rPr lang="en-US" dirty="0" smtClean="0"/>
-              <a:t> </a:t>
-            </a:r>
-            <a:r>
-              <a:rPr lang="en-US" dirty="0"/>
-              <a:t>and </a:t>
-            </a:r>
-            <a:r>
-              <a:rPr lang="en-US" dirty="0" smtClean="0"/>
-              <a:t>Zisserman</a:t>
-            </a:r>
-          </a:p>
-          <a:p>
-            <a:pPr lvl="1"/>
-            <a:r>
-              <a:rPr lang="en-US" dirty="0" smtClean="0"/>
-              <a:t>Visual </a:t>
-            </a:r>
-            <a:r>
-              <a:rPr lang="en-US" dirty="0"/>
-              <a:t>Geometry Group (</a:t>
-            </a:r>
-            <a:r>
-              <a:rPr lang="en-US" dirty="0" smtClean="0"/>
-              <a:t>VGG)</a:t>
-            </a:r>
-          </a:p>
-          <a:p>
-            <a:pPr lvl="1"/>
-            <a:r>
-              <a:rPr lang="en-US" dirty="0" smtClean="0"/>
-              <a:t>University </a:t>
-            </a:r>
-            <a:r>
-              <a:rPr lang="en-US" dirty="0"/>
-              <a:t>of </a:t>
-            </a:r>
-            <a:r>
-              <a:rPr lang="en-US" dirty="0" smtClean="0"/>
-              <a:t>Oxford</a:t>
-            </a:r>
-          </a:p>
-          <a:p>
-            <a:pPr lvl="1"/>
-            <a:r>
-              <a:rPr lang="en-US" dirty="0" smtClean="0"/>
-              <a:t>2014</a:t>
-            </a:r>
-          </a:p>
-          <a:p>
-            <a:r>
-              <a:rPr lang="en-US" dirty="0" smtClean="0"/>
-              <a:t>Puissant</a:t>
-            </a:r>
-          </a:p>
-          <a:p>
-            <a:r>
-              <a:rPr lang="en-US" dirty="0" err="1" smtClean="0"/>
-              <a:t>Volumineux</a:t>
-            </a:r>
-            <a:endParaRPr lang="en-US" dirty="0"/>
-          </a:p>
-          <a:p>
-            <a:r>
-              <a:rPr lang="en-US" dirty="0" smtClean="0"/>
-              <a:t>Lent</a:t>
-            </a:r>
-          </a:p>
-          <a:p>
-            <a:r>
-              <a:rPr lang="en-US" dirty="0" err="1" smtClean="0"/>
-              <a:t>Nécessite</a:t>
-            </a:r>
-            <a:r>
-              <a:rPr lang="en-US" dirty="0" smtClean="0"/>
-              <a:t> beaucoup de </a:t>
-            </a:r>
-            <a:r>
-              <a:rPr lang="en-US" dirty="0" err="1" smtClean="0"/>
-              <a:t>données</a:t>
-            </a:r>
+              <a:rPr lang="fr-FR" dirty="0" smtClean="0"/>
+              <a:t>VGG16 est un modèle </a:t>
+            </a:r>
+            <a:r>
+              <a:rPr lang="fr-FR" dirty="0" err="1" smtClean="0"/>
+              <a:t>Keras</a:t>
+            </a:r>
+            <a:r>
+              <a:rPr lang="fr-FR" dirty="0" smtClean="0"/>
+              <a:t> de traitement d'image pré-entrainé depuis </a:t>
+            </a:r>
+            <a:r>
+              <a:rPr lang="fr-FR" dirty="0" err="1" smtClean="0"/>
+              <a:t>ImageNet</a:t>
+            </a:r>
+            <a:r>
+              <a:rPr lang="fr-FR" dirty="0" smtClean="0"/>
+              <a:t> avec 1000 catégories</a:t>
+            </a:r>
+          </a:p>
+          <a:p>
             <a:endParaRPr lang="fr-FR" dirty="0"/>
           </a:p>
         </p:txBody>
       </p:sp>
+      <p:pic>
+        <p:nvPicPr>
+          <p:cNvPr id="1026" name="Picture 2" descr="https://cdn-images-1.medium.com/max/800/1*LdB1mhrN6hT-EznkkFE8Cg.jpeg"/>
+          <p:cNvPicPr>
+            <a:picLocks noChangeAspect="1" noChangeArrowheads="1"/>
+          </p:cNvPicPr>
+          <p:nvPr/>
+        </p:nvPicPr>
+        <p:blipFill>
+          <a:blip r:embed="rId2">
+            <a:extLst>
+              <a:ext uri="{28A0092B-C50C-407E-A947-70E740481C1C}">
+                <a14:useLocalDpi xmlns:a14="http://schemas.microsoft.com/office/drawing/2010/main" val="0"/>
+              </a:ext>
+            </a:extLst>
+          </a:blip>
+          <a:srcRect/>
+          <a:stretch>
+            <a:fillRect/>
+          </a:stretch>
+        </p:blipFill>
+        <p:spPr bwMode="auto">
+          <a:xfrm>
+            <a:off x="1187624" y="2524125"/>
+            <a:ext cx="6984776" cy="3972591"/>
+          </a:xfrm>
+          <a:prstGeom prst="rect">
+            <a:avLst/>
+          </a:prstGeom>
+          <a:noFill/>
+          <a:extLst>
+            <a:ext uri="{909E8E84-426E-40DD-AFC4-6F175D3DCCD1}">
+              <a14:hiddenFill xmlns:a14="http://schemas.microsoft.com/office/drawing/2010/main">
+                <a:solidFill>
+                  <a:srgbClr val="FFFFFF"/>
+                </a:solidFill>
+              </a14:hiddenFill>
+            </a:ext>
+          </a:extLst>
+        </p:spPr>
+      </p:pic>
     </p:spTree>
     <p:extLst>
       <p:ext uri="{BB962C8B-B14F-4D97-AF65-F5344CB8AC3E}">
-        <p14:creationId xmlns:p14="http://schemas.microsoft.com/office/powerpoint/2010/main" val="1225244370"/>
+        <p14:creationId xmlns:p14="http://schemas.microsoft.com/office/powerpoint/2010/main" val="3236648416"/>
       </p:ext>
     </p:extLst>
   </p:cSld>
@@ -4373,51 +4353,115 @@
           </a:p>
         </p:txBody>
       </p:sp>
-      <p:pic>
-        <p:nvPicPr>
-          <p:cNvPr id="2050" name="Picture 2" descr="Résultat de recherche d'images pour &quot;VGG16&quot;"/>
-          <p:cNvPicPr>
-            <a:picLocks noChangeAspect="1" noChangeArrowheads="1"/>
-          </p:cNvPicPr>
-          <p:nvPr/>
-        </p:nvPicPr>
-        <p:blipFill>
-          <a:blip r:embed="rId2">
-            <a:extLst>
-              <a:ext uri="{28A0092B-C50C-407E-A947-70E740481C1C}">
-                <a14:useLocalDpi xmlns:a14="http://schemas.microsoft.com/office/drawing/2010/main" val="0"/>
-              </a:ext>
-            </a:extLst>
-          </a:blip>
-          <a:srcRect/>
-          <a:stretch>
-            <a:fillRect/>
-          </a:stretch>
-        </p:blipFill>
-        <p:spPr bwMode="auto">
-          <a:xfrm>
-            <a:off x="251520" y="1196752"/>
-            <a:ext cx="8572500" cy="4829176"/>
-          </a:xfrm>
-          <a:prstGeom prst="rect">
-            <a:avLst/>
-          </a:prstGeom>
-          <a:noFill/>
-          <a:extLst>
-            <a:ext uri="{909E8E84-426E-40DD-AFC4-6F175D3DCCD1}">
-              <a14:hiddenFill xmlns:a14="http://schemas.microsoft.com/office/drawing/2010/main">
-                <a:solidFill>
-                  <a:srgbClr val="FFFFFF"/>
-                </a:solidFill>
-              </a14:hiddenFill>
-            </a:ext>
-          </a:extLst>
-        </p:spPr>
-      </p:pic>
+      <p:sp>
+        <p:nvSpPr>
+          <p:cNvPr id="3" name="Espace réservé du contenu 2"/>
+          <p:cNvSpPr>
+            <a:spLocks noGrp="1"/>
+          </p:cNvSpPr>
+          <p:nvPr>
+            <p:ph idx="1"/>
+          </p:nvPr>
+        </p:nvSpPr>
+        <p:spPr/>
+        <p:txBody>
+          <a:bodyPr/>
+          <a:lstStyle/>
+          <a:p>
+            <a:r>
+              <a:rPr lang="en-US" dirty="0" err="1" smtClean="0"/>
+              <a:t>Simonyan</a:t>
+            </a:r>
+            <a:r>
+              <a:rPr lang="en-US" dirty="0" smtClean="0"/>
+              <a:t> </a:t>
+            </a:r>
+            <a:r>
+              <a:rPr lang="en-US" dirty="0"/>
+              <a:t>and </a:t>
+            </a:r>
+            <a:r>
+              <a:rPr lang="en-US" dirty="0" smtClean="0"/>
+              <a:t>Zisserman</a:t>
+            </a:r>
+          </a:p>
+          <a:p>
+            <a:pPr lvl="1"/>
+            <a:r>
+              <a:rPr lang="en-US" dirty="0" smtClean="0"/>
+              <a:t>Visual </a:t>
+            </a:r>
+            <a:r>
+              <a:rPr lang="en-US" dirty="0"/>
+              <a:t>Geometry Group (</a:t>
+            </a:r>
+            <a:r>
+              <a:rPr lang="en-US" dirty="0" smtClean="0"/>
+              <a:t>VGG)</a:t>
+            </a:r>
+          </a:p>
+          <a:p>
+            <a:pPr lvl="1"/>
+            <a:r>
+              <a:rPr lang="en-US" dirty="0" smtClean="0"/>
+              <a:t>University </a:t>
+            </a:r>
+            <a:r>
+              <a:rPr lang="en-US" dirty="0"/>
+              <a:t>of </a:t>
+            </a:r>
+            <a:r>
+              <a:rPr lang="en-US" dirty="0" smtClean="0"/>
+              <a:t>Oxford</a:t>
+            </a:r>
+          </a:p>
+          <a:p>
+            <a:pPr lvl="1"/>
+            <a:r>
+              <a:rPr lang="en-US" dirty="0" smtClean="0"/>
+              <a:t>2014</a:t>
+            </a:r>
+          </a:p>
+          <a:p>
+            <a:r>
+              <a:rPr lang="en-US" dirty="0" smtClean="0"/>
+              <a:t>Puissant</a:t>
+            </a:r>
+          </a:p>
+          <a:p>
+            <a:r>
+              <a:rPr lang="en-US" dirty="0" err="1" smtClean="0"/>
+              <a:t>Volumineux</a:t>
+            </a:r>
+            <a:endParaRPr lang="en-US" dirty="0"/>
+          </a:p>
+          <a:p>
+            <a:r>
+              <a:rPr lang="en-US" dirty="0" smtClean="0"/>
+              <a:t>Lent</a:t>
+            </a:r>
+          </a:p>
+          <a:p>
+            <a:r>
+              <a:rPr lang="en-US" dirty="0" err="1" smtClean="0"/>
+              <a:t>Nécessite</a:t>
+            </a:r>
+            <a:r>
+              <a:rPr lang="en-US" dirty="0" smtClean="0"/>
+              <a:t> beaucoup de </a:t>
+            </a:r>
+            <a:r>
+              <a:rPr lang="en-US" dirty="0" err="1" smtClean="0"/>
+              <a:t>données</a:t>
+            </a:r>
+            <a:endParaRPr lang="fr-FR" dirty="0"/>
+          </a:p>
+        </p:txBody>
+      </p:sp>
     </p:spTree>
     <p:extLst>
       <p:ext uri="{BB962C8B-B14F-4D97-AF65-F5344CB8AC3E}">
-        <p14:creationId xmlns:p14="http://schemas.microsoft.com/office/powerpoint/2010/main" val="1383294236"/>
+        <p14:creationId xmlns:p14="http://schemas.microsoft.com/office/powerpoint/2010/main" val="1225244370"/>
       </p:ext>
     </p:extLst>
   </p:cSld>

--- a/PPT/DeepLearning11-KerasModels.pptx
+++ b/PPT/DeepLearning11-KerasModels.pptx
@@ -614,35 +614,35 @@
           <a:p>
             <a:pPr lvl="0"/>
             <a:r>
-              <a:rPr lang="fr-FR" noProof="0" smtClean="0"/>
+              <a:rPr lang="fr-FR" noProof="0"/>
               <a:t>Cliquez pour modifier les styles du texte du masque</a:t>
             </a:r>
           </a:p>
           <a:p>
             <a:pPr lvl="1"/>
             <a:r>
-              <a:rPr lang="fr-FR" noProof="0" smtClean="0"/>
+              <a:rPr lang="fr-FR" noProof="0"/>
               <a:t>Deuxième niveau</a:t>
             </a:r>
           </a:p>
           <a:p>
             <a:pPr lvl="2"/>
             <a:r>
-              <a:rPr lang="fr-FR" noProof="0" smtClean="0"/>
+              <a:rPr lang="fr-FR" noProof="0"/>
               <a:t>Troisième niveau</a:t>
             </a:r>
           </a:p>
           <a:p>
             <a:pPr lvl="3"/>
             <a:r>
-              <a:rPr lang="fr-FR" noProof="0" smtClean="0"/>
+              <a:rPr lang="fr-FR" noProof="0"/>
               <a:t>Quatrième niveau</a:t>
             </a:r>
           </a:p>
           <a:p>
             <a:pPr lvl="4"/>
             <a:r>
-              <a:rPr lang="fr-FR" noProof="0" smtClean="0"/>
+              <a:rPr lang="fr-FR" noProof="0"/>
               <a:t>Cinquième niveau</a:t>
             </a:r>
           </a:p>
@@ -930,10 +930,9 @@
           <a:lstStyle/>
           <a:p>
             <a:r>
-              <a:rPr lang="fr-FR" smtClean="0"/>
+              <a:rPr lang="fr-FR"/>
               <a:t>Cliquez pour modifier le style du titre</a:t>
             </a:r>
-            <a:endParaRPr lang="fr-FR"/>
           </a:p>
         </p:txBody>
       </p:sp>
@@ -995,10 +994,9 @@
           </a:lstStyle>
           <a:p>
             <a:r>
-              <a:rPr lang="fr-FR" smtClean="0"/>
+              <a:rPr lang="fr-FR"/>
               <a:t>Cliquez pour modifier le style des sous-titres du masque</a:t>
             </a:r>
-            <a:endParaRPr lang="fr-FR"/>
           </a:p>
         </p:txBody>
       </p:sp>
@@ -1053,10 +1051,9 @@
           <a:lstStyle/>
           <a:p>
             <a:r>
-              <a:rPr lang="fr-FR" smtClean="0"/>
+              <a:rPr lang="fr-FR"/>
               <a:t>Cliquez pour modifier le style du titre</a:t>
             </a:r>
-            <a:endParaRPr lang="fr-FR"/>
           </a:p>
         </p:txBody>
       </p:sp>
@@ -1082,38 +1079,37 @@
           <a:p>
             <a:pPr lvl="0"/>
             <a:r>
-              <a:rPr lang="fr-FR" smtClean="0"/>
+              <a:rPr lang="fr-FR"/>
               <a:t>Cliquez pour modifier les styles du texte du masque</a:t>
             </a:r>
           </a:p>
           <a:p>
             <a:pPr lvl="1"/>
             <a:r>
-              <a:rPr lang="fr-FR" smtClean="0"/>
+              <a:rPr lang="fr-FR"/>
               <a:t>Deuxième niveau</a:t>
             </a:r>
           </a:p>
           <a:p>
             <a:pPr lvl="2"/>
             <a:r>
-              <a:rPr lang="fr-FR" smtClean="0"/>
+              <a:rPr lang="fr-FR"/>
               <a:t>Troisième niveau</a:t>
             </a:r>
           </a:p>
           <a:p>
             <a:pPr lvl="3"/>
             <a:r>
-              <a:rPr lang="fr-FR" smtClean="0"/>
+              <a:rPr lang="fr-FR"/>
               <a:t>Quatrième niveau</a:t>
             </a:r>
           </a:p>
           <a:p>
             <a:pPr lvl="4"/>
             <a:r>
-              <a:rPr lang="fr-FR" smtClean="0"/>
+              <a:rPr lang="fr-FR"/>
               <a:t>Cinquième niveau</a:t>
             </a:r>
-            <a:endParaRPr lang="fr-FR"/>
           </a:p>
         </p:txBody>
       </p:sp>
@@ -1172,10 +1168,9 @@
           </a:lstStyle>
           <a:p>
             <a:r>
-              <a:rPr lang="fr-FR" dirty="0" smtClean="0"/>
+              <a:rPr lang="fr-FR" dirty="0"/>
               <a:t>Cliquez pour modifier le style du titre</a:t>
             </a:r>
-            <a:endParaRPr lang="fr-FR" dirty="0"/>
           </a:p>
         </p:txBody>
       </p:sp>
@@ -1201,38 +1196,37 @@
           <a:p>
             <a:pPr lvl="0"/>
             <a:r>
-              <a:rPr lang="fr-FR" dirty="0" smtClean="0"/>
+              <a:rPr lang="fr-FR" dirty="0"/>
               <a:t>Cliquez pour modifier les styles du texte du masque</a:t>
             </a:r>
           </a:p>
           <a:p>
             <a:pPr lvl="1"/>
             <a:r>
-              <a:rPr lang="fr-FR" dirty="0" smtClean="0"/>
+              <a:rPr lang="fr-FR" dirty="0"/>
               <a:t>Deuxième niveau</a:t>
             </a:r>
           </a:p>
           <a:p>
             <a:pPr lvl="2"/>
             <a:r>
-              <a:rPr lang="fr-FR" dirty="0" smtClean="0"/>
+              <a:rPr lang="fr-FR" dirty="0"/>
               <a:t>Troisième niveau</a:t>
             </a:r>
           </a:p>
           <a:p>
             <a:pPr lvl="3"/>
             <a:r>
-              <a:rPr lang="fr-FR" dirty="0" smtClean="0"/>
+              <a:rPr lang="fr-FR" dirty="0"/>
               <a:t>Quatrième niveau</a:t>
             </a:r>
           </a:p>
           <a:p>
             <a:pPr lvl="4"/>
             <a:r>
-              <a:rPr lang="fr-FR" dirty="0" smtClean="0"/>
+              <a:rPr lang="fr-FR" dirty="0"/>
               <a:t>Cinquième niveau</a:t>
             </a:r>
-            <a:endParaRPr lang="fr-FR" dirty="0"/>
           </a:p>
         </p:txBody>
       </p:sp>
@@ -1282,10 +1276,9 @@
           <a:lstStyle/>
           <a:p>
             <a:r>
-              <a:rPr lang="fr-FR" smtClean="0"/>
+              <a:rPr lang="fr-FR"/>
               <a:t>Cliquez pour modifier le style du titre</a:t>
             </a:r>
-            <a:endParaRPr lang="fr-FR"/>
           </a:p>
         </p:txBody>
       </p:sp>
@@ -1339,38 +1332,37 @@
           <a:p>
             <a:pPr lvl="0"/>
             <a:r>
-              <a:rPr lang="fr-FR" smtClean="0"/>
+              <a:rPr lang="fr-FR"/>
               <a:t>Cliquez pour modifier les styles du texte du masque</a:t>
             </a:r>
           </a:p>
           <a:p>
             <a:pPr lvl="1"/>
             <a:r>
-              <a:rPr lang="fr-FR" smtClean="0"/>
+              <a:rPr lang="fr-FR"/>
               <a:t>Deuxième niveau</a:t>
             </a:r>
           </a:p>
           <a:p>
             <a:pPr lvl="2"/>
             <a:r>
-              <a:rPr lang="fr-FR" smtClean="0"/>
+              <a:rPr lang="fr-FR"/>
               <a:t>Troisième niveau</a:t>
             </a:r>
           </a:p>
           <a:p>
             <a:pPr lvl="3"/>
             <a:r>
-              <a:rPr lang="fr-FR" smtClean="0"/>
+              <a:rPr lang="fr-FR"/>
               <a:t>Quatrième niveau</a:t>
             </a:r>
           </a:p>
           <a:p>
             <a:pPr lvl="4"/>
             <a:r>
-              <a:rPr lang="fr-FR" smtClean="0"/>
+              <a:rPr lang="fr-FR"/>
               <a:t>Cinquième niveau</a:t>
             </a:r>
-            <a:endParaRPr lang="fr-FR"/>
           </a:p>
         </p:txBody>
       </p:sp>
@@ -1424,38 +1416,37 @@
           <a:p>
             <a:pPr lvl="0"/>
             <a:r>
-              <a:rPr lang="fr-FR" smtClean="0"/>
+              <a:rPr lang="fr-FR"/>
               <a:t>Cliquez pour modifier les styles du texte du masque</a:t>
             </a:r>
           </a:p>
           <a:p>
             <a:pPr lvl="1"/>
             <a:r>
-              <a:rPr lang="fr-FR" smtClean="0"/>
+              <a:rPr lang="fr-FR"/>
               <a:t>Deuxième niveau</a:t>
             </a:r>
           </a:p>
           <a:p>
             <a:pPr lvl="2"/>
             <a:r>
-              <a:rPr lang="fr-FR" smtClean="0"/>
+              <a:rPr lang="fr-FR"/>
               <a:t>Troisième niveau</a:t>
             </a:r>
           </a:p>
           <a:p>
             <a:pPr lvl="3"/>
             <a:r>
-              <a:rPr lang="fr-FR" smtClean="0"/>
+              <a:rPr lang="fr-FR"/>
               <a:t>Quatrième niveau</a:t>
             </a:r>
           </a:p>
           <a:p>
             <a:pPr lvl="4"/>
             <a:r>
-              <a:rPr lang="fr-FR" smtClean="0"/>
+              <a:rPr lang="fr-FR"/>
               <a:t>Cinquième niveau</a:t>
             </a:r>
-            <a:endParaRPr lang="fr-FR"/>
           </a:p>
         </p:txBody>
       </p:sp>
@@ -1514,10 +1505,9 @@
           </a:lstStyle>
           <a:p>
             <a:r>
-              <a:rPr lang="fr-FR" smtClean="0"/>
+              <a:rPr lang="fr-FR"/>
               <a:t>Cliquez pour modifier le style du titre</a:t>
             </a:r>
-            <a:endParaRPr lang="fr-FR"/>
           </a:p>
         </p:txBody>
       </p:sp>
@@ -1580,7 +1570,7 @@
           <a:p>
             <a:pPr lvl="0"/>
             <a:r>
-              <a:rPr lang="fr-FR" smtClean="0"/>
+              <a:rPr lang="fr-FR"/>
               <a:t>Cliquez pour modifier les styles du texte du masque</a:t>
             </a:r>
           </a:p>
@@ -1636,38 +1626,37 @@
           <a:p>
             <a:pPr lvl="0"/>
             <a:r>
-              <a:rPr lang="fr-FR" smtClean="0"/>
+              <a:rPr lang="fr-FR"/>
               <a:t>Cliquez pour modifier les styles du texte du masque</a:t>
             </a:r>
           </a:p>
           <a:p>
             <a:pPr lvl="1"/>
             <a:r>
-              <a:rPr lang="fr-FR" smtClean="0"/>
+              <a:rPr lang="fr-FR"/>
               <a:t>Deuxième niveau</a:t>
             </a:r>
           </a:p>
           <a:p>
             <a:pPr lvl="2"/>
             <a:r>
-              <a:rPr lang="fr-FR" smtClean="0"/>
+              <a:rPr lang="fr-FR"/>
               <a:t>Troisième niveau</a:t>
             </a:r>
           </a:p>
           <a:p>
             <a:pPr lvl="3"/>
             <a:r>
-              <a:rPr lang="fr-FR" smtClean="0"/>
+              <a:rPr lang="fr-FR"/>
               <a:t>Quatrième niveau</a:t>
             </a:r>
           </a:p>
           <a:p>
             <a:pPr lvl="4"/>
             <a:r>
-              <a:rPr lang="fr-FR" smtClean="0"/>
+              <a:rPr lang="fr-FR"/>
               <a:t>Cinquième niveau</a:t>
             </a:r>
-            <a:endParaRPr lang="fr-FR"/>
           </a:p>
         </p:txBody>
       </p:sp>
@@ -1730,7 +1719,7 @@
           <a:p>
             <a:pPr lvl="0"/>
             <a:r>
-              <a:rPr lang="fr-FR" smtClean="0"/>
+              <a:rPr lang="fr-FR"/>
               <a:t>Cliquez pour modifier les styles du texte du masque</a:t>
             </a:r>
           </a:p>
@@ -1786,38 +1775,37 @@
           <a:p>
             <a:pPr lvl="0"/>
             <a:r>
-              <a:rPr lang="fr-FR" smtClean="0"/>
+              <a:rPr lang="fr-FR"/>
               <a:t>Cliquez pour modifier les styles du texte du masque</a:t>
             </a:r>
           </a:p>
           <a:p>
             <a:pPr lvl="1"/>
             <a:r>
-              <a:rPr lang="fr-FR" smtClean="0"/>
+              <a:rPr lang="fr-FR"/>
               <a:t>Deuxième niveau</a:t>
             </a:r>
           </a:p>
           <a:p>
             <a:pPr lvl="2"/>
             <a:r>
-              <a:rPr lang="fr-FR" smtClean="0"/>
+              <a:rPr lang="fr-FR"/>
               <a:t>Troisième niveau</a:t>
             </a:r>
           </a:p>
           <a:p>
             <a:pPr lvl="3"/>
             <a:r>
-              <a:rPr lang="fr-FR" smtClean="0"/>
+              <a:rPr lang="fr-FR"/>
               <a:t>Quatrième niveau</a:t>
             </a:r>
           </a:p>
           <a:p>
             <a:pPr lvl="4"/>
             <a:r>
-              <a:rPr lang="fr-FR" smtClean="0"/>
+              <a:rPr lang="fr-FR"/>
               <a:t>Cinquième niveau</a:t>
             </a:r>
-            <a:endParaRPr lang="fr-FR"/>
           </a:p>
         </p:txBody>
       </p:sp>
@@ -1867,10 +1855,9 @@
           <a:lstStyle/>
           <a:p>
             <a:r>
-              <a:rPr lang="fr-FR" smtClean="0"/>
+              <a:rPr lang="fr-FR"/>
               <a:t>Cliquez pour modifier le style du titre</a:t>
             </a:r>
-            <a:endParaRPr lang="fr-FR"/>
           </a:p>
         </p:txBody>
       </p:sp>
@@ -1959,10 +1946,9 @@
           </a:lstStyle>
           <a:p>
             <a:r>
-              <a:rPr lang="fr-FR" smtClean="0"/>
+              <a:rPr lang="fr-FR"/>
               <a:t>Cliquez pour modifier le style du titre</a:t>
             </a:r>
-            <a:endParaRPr lang="fr-FR"/>
           </a:p>
         </p:txBody>
       </p:sp>
@@ -2016,38 +2002,37 @@
           <a:p>
             <a:pPr lvl="0"/>
             <a:r>
-              <a:rPr lang="fr-FR" smtClean="0"/>
+              <a:rPr lang="fr-FR"/>
               <a:t>Cliquez pour modifier les styles du texte du masque</a:t>
             </a:r>
           </a:p>
           <a:p>
             <a:pPr lvl="1"/>
             <a:r>
-              <a:rPr lang="fr-FR" smtClean="0"/>
+              <a:rPr lang="fr-FR"/>
               <a:t>Deuxième niveau</a:t>
             </a:r>
           </a:p>
           <a:p>
             <a:pPr lvl="2"/>
             <a:r>
-              <a:rPr lang="fr-FR" smtClean="0"/>
+              <a:rPr lang="fr-FR"/>
               <a:t>Troisième niveau</a:t>
             </a:r>
           </a:p>
           <a:p>
             <a:pPr lvl="3"/>
             <a:r>
-              <a:rPr lang="fr-FR" smtClean="0"/>
+              <a:rPr lang="fr-FR"/>
               <a:t>Quatrième niveau</a:t>
             </a:r>
           </a:p>
           <a:p>
             <a:pPr lvl="4"/>
             <a:r>
-              <a:rPr lang="fr-FR" smtClean="0"/>
+              <a:rPr lang="fr-FR"/>
               <a:t>Cinquième niveau</a:t>
             </a:r>
-            <a:endParaRPr lang="fr-FR"/>
           </a:p>
         </p:txBody>
       </p:sp>
@@ -2110,7 +2095,7 @@
           <a:p>
             <a:pPr lvl="0"/>
             <a:r>
-              <a:rPr lang="fr-FR" smtClean="0"/>
+              <a:rPr lang="fr-FR"/>
               <a:t>Cliquez pour modifier les styles du texte du masque</a:t>
             </a:r>
           </a:p>
@@ -2171,10 +2156,9 @@
           </a:lstStyle>
           <a:p>
             <a:r>
-              <a:rPr lang="fr-FR" smtClean="0"/>
+              <a:rPr lang="fr-FR"/>
               <a:t>Cliquez pour modifier le style du titre</a:t>
             </a:r>
-            <a:endParaRPr lang="fr-FR"/>
           </a:p>
         </p:txBody>
       </p:sp>
@@ -2236,7 +2220,7 @@
           </a:lstStyle>
           <a:p>
             <a:pPr lvl="0"/>
-            <a:endParaRPr lang="fr-FR" noProof="0" smtClean="0"/>
+            <a:endParaRPr lang="fr-FR" noProof="0"/>
           </a:p>
         </p:txBody>
       </p:sp>
@@ -2299,7 +2283,7 @@
           <a:p>
             <a:pPr lvl="0"/>
             <a:r>
-              <a:rPr lang="fr-FR" smtClean="0"/>
+              <a:rPr lang="fr-FR"/>
               <a:t>Cliquez pour modifier les styles du texte du masque</a:t>
             </a:r>
           </a:p>
@@ -2351,10 +2335,9 @@
           <a:lstStyle/>
           <a:p>
             <a:r>
-              <a:rPr lang="fr-FR" smtClean="0"/>
+              <a:rPr lang="fr-FR"/>
               <a:t>Cliquez pour modifier le style du titre</a:t>
             </a:r>
-            <a:endParaRPr lang="fr-FR"/>
           </a:p>
         </p:txBody>
       </p:sp>
@@ -2375,38 +2358,37 @@
           <a:p>
             <a:pPr lvl="0"/>
             <a:r>
-              <a:rPr lang="fr-FR" smtClean="0"/>
+              <a:rPr lang="fr-FR"/>
               <a:t>Cliquez pour modifier les styles du texte du masque</a:t>
             </a:r>
           </a:p>
           <a:p>
             <a:pPr lvl="1"/>
             <a:r>
-              <a:rPr lang="fr-FR" smtClean="0"/>
+              <a:rPr lang="fr-FR"/>
               <a:t>Deuxième niveau</a:t>
             </a:r>
           </a:p>
           <a:p>
             <a:pPr lvl="2"/>
             <a:r>
-              <a:rPr lang="fr-FR" smtClean="0"/>
+              <a:rPr lang="fr-FR"/>
               <a:t>Troisième niveau</a:t>
             </a:r>
           </a:p>
           <a:p>
             <a:pPr lvl="3"/>
             <a:r>
-              <a:rPr lang="fr-FR" smtClean="0"/>
+              <a:rPr lang="fr-FR"/>
               <a:t>Quatrième niveau</a:t>
             </a:r>
           </a:p>
           <a:p>
             <a:pPr lvl="4"/>
             <a:r>
-              <a:rPr lang="fr-FR" smtClean="0"/>
+              <a:rPr lang="fr-FR"/>
               <a:t>Cinquième niveau</a:t>
             </a:r>
-            <a:endParaRPr lang="fr-FR"/>
           </a:p>
         </p:txBody>
       </p:sp>
@@ -2587,7 +2569,7 @@
             <a:pPr eaLnBrk="1" hangingPunct="1">
               <a:defRPr/>
             </a:pPr>
-            <a:endParaRPr lang="fr-FR" altLang="fr-FR" smtClean="0"/>
+            <a:endParaRPr lang="fr-FR" altLang="fr-FR"/>
           </a:p>
         </p:txBody>
       </p:sp>
@@ -2741,7 +2723,7 @@
               <a:defRPr/>
             </a:pPr>
             <a:r>
-              <a:rPr lang="fr-FR" sz="1200" dirty="0" smtClean="0"/>
+              <a:rPr lang="fr-FR" sz="1200" dirty="0"/>
               <a:t>Page </a:t>
             </a:r>
             <a:fld id="{E218E9B1-FD08-4C80-902E-210BA2967D0D}" type="slidenum">
@@ -2754,7 +2736,7 @@
               </a:pPr>
               <a:t>‹N°›</a:t>
             </a:fld>
-            <a:endParaRPr lang="fr-FR" dirty="0" smtClean="0">
+            <a:endParaRPr lang="fr-FR" dirty="0">
               <a:latin typeface="Times New Roman" pitchFamily="18" charset="0"/>
             </a:endParaRPr>
           </a:p>
@@ -2910,10 +2892,10 @@
               <a:defRPr/>
             </a:pPr>
             <a:r>
-              <a:rPr lang="fr-FR" sz="1600" dirty="0" smtClean="0"/>
+              <a:rPr lang="fr-FR" sz="1600" dirty="0"/>
               <a:t>Python</a:t>
             </a:r>
-            <a:endParaRPr lang="fr-FR" dirty="0" smtClean="0">
+            <a:endParaRPr lang="fr-FR" dirty="0">
               <a:latin typeface="Times New Roman" pitchFamily="18" charset="0"/>
             </a:endParaRPr>
           </a:p>
@@ -2971,7 +2953,7 @@
           <a:p>
             <a:pPr lvl="0"/>
             <a:r>
-              <a:rPr lang="fr-FR" altLang="fr-FR" smtClean="0"/>
+              <a:rPr lang="fr-FR" altLang="fr-FR"/>
               <a:t>Cliquez pour modifier le style du titre du masque</a:t>
             </a:r>
           </a:p>
@@ -3029,35 +3011,35 @@
           <a:p>
             <a:pPr lvl="0"/>
             <a:r>
-              <a:rPr lang="fr-FR" altLang="fr-FR" smtClean="0"/>
+              <a:rPr lang="fr-FR" altLang="fr-FR"/>
               <a:t>Cliquez pour modifier les styles du texte du masque</a:t>
             </a:r>
           </a:p>
           <a:p>
             <a:pPr lvl="1"/>
             <a:r>
-              <a:rPr lang="fr-FR" altLang="fr-FR" smtClean="0"/>
+              <a:rPr lang="fr-FR" altLang="fr-FR"/>
               <a:t>Deuxième niveau</a:t>
             </a:r>
           </a:p>
           <a:p>
             <a:pPr lvl="2"/>
             <a:r>
-              <a:rPr lang="fr-FR" altLang="fr-FR" smtClean="0"/>
+              <a:rPr lang="fr-FR" altLang="fr-FR"/>
               <a:t>Troisième niveau</a:t>
             </a:r>
           </a:p>
           <a:p>
             <a:pPr lvl="3"/>
             <a:r>
-              <a:rPr lang="fr-FR" altLang="fr-FR" smtClean="0"/>
+              <a:rPr lang="fr-FR" altLang="fr-FR"/>
               <a:t>Quatrième niveau</a:t>
             </a:r>
           </a:p>
           <a:p>
             <a:pPr lvl="4"/>
             <a:r>
-              <a:rPr lang="fr-FR" altLang="fr-FR" smtClean="0"/>
+              <a:rPr lang="fr-FR" altLang="fr-FR"/>
               <a:t>Cinquième niveau</a:t>
             </a:r>
           </a:p>
@@ -3213,10 +3195,10 @@
               <a:defRPr/>
             </a:pPr>
             <a:r>
-              <a:rPr lang="fr-FR" sz="1200" smtClean="0"/>
+              <a:rPr lang="fr-FR" sz="1200"/>
               <a:t>© Cyril Vincent Conseil</a:t>
             </a:r>
-            <a:endParaRPr lang="fr-FR" smtClean="0">
+            <a:endParaRPr lang="fr-FR">
               <a:latin typeface="Times New Roman" pitchFamily="18" charset="0"/>
             </a:endParaRPr>
           </a:p>
@@ -3698,17 +3680,17 @@
           <a:p>
             <a:pPr eaLnBrk="1" hangingPunct="1"/>
             <a:r>
-              <a:rPr lang="fr-FR" altLang="fr-FR" dirty="0" smtClean="0"/>
+              <a:rPr lang="fr-FR" altLang="fr-FR" dirty="0"/>
               <a:t>Chapitre 11</a:t>
             </a:r>
           </a:p>
           <a:p>
             <a:pPr eaLnBrk="1" hangingPunct="1"/>
             <a:r>
-              <a:rPr lang="fr-FR" altLang="fr-FR" dirty="0" err="1" smtClean="0"/>
+              <a:rPr lang="fr-FR" altLang="fr-FR" dirty="0" err="1"/>
               <a:t>Models</a:t>
             </a:r>
-            <a:endParaRPr lang="fr-FR" altLang="fr-FR" dirty="0" smtClean="0"/>
+            <a:endParaRPr lang="fr-FR" altLang="fr-FR" dirty="0"/>
           </a:p>
         </p:txBody>
       </p:sp>
@@ -3759,10 +3741,9 @@
           <a:lstStyle/>
           <a:p>
             <a:r>
-              <a:rPr lang="fr-FR" sz="3600" dirty="0" smtClean="0"/>
+              <a:rPr lang="fr-FR" sz="3600" dirty="0"/>
               <a:t>Data Science</a:t>
             </a:r>
-            <a:endParaRPr lang="fr-FR" sz="3600" dirty="0"/>
           </a:p>
         </p:txBody>
       </p:sp>
@@ -3795,13 +3776,6 @@
   <p:clrMapOvr>
     <a:masterClrMapping/>
   </p:clrMapOvr>
-  <p:timing>
-    <p:tnLst>
-      <p:par>
-        <p:cTn id="1" dur="indefinite" restart="never" nodeType="tmRoot"/>
-      </p:par>
-    </p:tnLst>
-  </p:timing>
 </p:sld>
 </file>
 
@@ -3838,11 +3812,11 @@
           <a:lstStyle/>
           <a:p>
             <a:r>
-              <a:rPr lang="fr-FR" dirty="0" smtClean="0"/>
+              <a:rPr lang="fr-FR" dirty="0"/>
               <a:t>Liste des modèles </a:t>
             </a:r>
             <a:r>
-              <a:rPr lang="fr-FR" dirty="0" err="1" smtClean="0"/>
+              <a:rPr lang="fr-FR" dirty="0" err="1"/>
               <a:t>Keras</a:t>
             </a:r>
             <a:endParaRPr lang="fr-FR" dirty="0"/>
@@ -3919,7 +3893,7 @@
           <a:lstStyle/>
           <a:p>
             <a:r>
-              <a:rPr lang="fr-FR" dirty="0" err="1" smtClean="0"/>
+              <a:rPr lang="fr-FR" dirty="0" err="1"/>
               <a:t>MobileNet</a:t>
             </a:r>
             <a:endParaRPr lang="fr-FR" dirty="0"/>
@@ -3942,24 +3916,23 @@
           <a:lstStyle/>
           <a:p>
             <a:r>
-              <a:rPr lang="fr-FR" dirty="0" smtClean="0"/>
+              <a:rPr lang="fr-FR" dirty="0"/>
               <a:t>Le but des réseaux </a:t>
             </a:r>
             <a:r>
-              <a:rPr lang="fr-FR" dirty="0" err="1" smtClean="0"/>
+              <a:rPr lang="fr-FR" dirty="0" err="1"/>
               <a:t>MobileNet</a:t>
             </a:r>
             <a:r>
-              <a:rPr lang="fr-FR" dirty="0" smtClean="0"/>
+              <a:rPr lang="fr-FR" dirty="0"/>
               <a:t> est d’abaisser le nombre de poids pour accélérer l’inférence</a:t>
             </a:r>
           </a:p>
           <a:p>
             <a:r>
-              <a:rPr lang="fr-FR" dirty="0" smtClean="0"/>
+              <a:rPr lang="fr-FR" dirty="0"/>
               <a:t>Fonctionne sur des mobiles</a:t>
             </a:r>
-            <a:endParaRPr lang="fr-FR" dirty="0"/>
           </a:p>
         </p:txBody>
       </p:sp>
@@ -4050,10 +4023,9 @@
           <a:lstStyle/>
           <a:p>
             <a:r>
-              <a:rPr lang="fr-FR" dirty="0" smtClean="0"/>
+              <a:rPr lang="fr-FR" dirty="0"/>
               <a:t>Modèles pré-entrainés</a:t>
             </a:r>
-            <a:endParaRPr lang="fr-FR" dirty="0"/>
           </a:p>
         </p:txBody>
       </p:sp>
@@ -4073,11 +4045,11 @@
           <a:lstStyle/>
           <a:p>
             <a:r>
-              <a:rPr lang="fr-FR" dirty="0" err="1" smtClean="0"/>
+              <a:rPr lang="fr-FR" dirty="0" err="1"/>
               <a:t>Keras</a:t>
             </a:r>
             <a:r>
-              <a:rPr lang="fr-FR" dirty="0" smtClean="0"/>
+              <a:rPr lang="fr-FR" dirty="0"/>
               <a:t> fournit des modèles pré-entrainés</a:t>
             </a:r>
           </a:p>
@@ -4203,18 +4175,17 @@
           <a:lstStyle/>
           <a:p>
             <a:r>
-              <a:rPr lang="fr-FR" dirty="0" smtClean="0"/>
+              <a:rPr lang="fr-FR" dirty="0"/>
               <a:t>Mon premier </a:t>
             </a:r>
             <a:r>
-              <a:rPr lang="fr-FR" dirty="0" err="1" smtClean="0"/>
+              <a:rPr lang="fr-FR" dirty="0" err="1"/>
               <a:t>Deep</a:t>
             </a:r>
             <a:r>
-              <a:rPr lang="fr-FR" dirty="0" smtClean="0"/>
+              <a:rPr lang="fr-FR" dirty="0"/>
               <a:t> Network : VGG16</a:t>
             </a:r>
-            <a:endParaRPr lang="fr-FR" dirty="0"/>
           </a:p>
         </p:txBody>
       </p:sp>
@@ -4234,23 +4205,23 @@
           <a:lstStyle/>
           <a:p>
             <a:r>
-              <a:rPr lang="fr-FR" dirty="0" smtClean="0"/>
+              <a:rPr lang="fr-FR" dirty="0"/>
               <a:t>VGG16 est un modèle </a:t>
             </a:r>
             <a:r>
-              <a:rPr lang="fr-FR" dirty="0" err="1" smtClean="0"/>
+              <a:rPr lang="fr-FR" dirty="0" err="1"/>
               <a:t>Keras</a:t>
             </a:r>
             <a:r>
-              <a:rPr lang="fr-FR" dirty="0" smtClean="0"/>
+              <a:rPr lang="fr-FR" dirty="0"/>
               <a:t> de traitement d'image pré-entrainé depuis </a:t>
             </a:r>
             <a:r>
-              <a:rPr lang="fr-FR" dirty="0" err="1" smtClean="0"/>
+              <a:rPr lang="fr-FR" dirty="0" err="1"/>
               <a:t>ImageNet</a:t>
             </a:r>
             <a:r>
-              <a:rPr lang="fr-FR" dirty="0" smtClean="0"/>
+              <a:rPr lang="fr-FR" dirty="0"/>
               <a:t> avec 1000 catégories</a:t>
             </a:r>
           </a:p>
@@ -4346,10 +4317,9 @@
           <a:lstStyle/>
           <a:p>
             <a:r>
-              <a:rPr lang="fr-FR" dirty="0" smtClean="0"/>
+              <a:rPr lang="fr-FR" dirty="0"/>
               <a:t>VGG16</a:t>
             </a:r>
-            <a:endParaRPr lang="fr-FR" dirty="0"/>
           </a:p>
         </p:txBody>
       </p:sp>
@@ -4369,89 +4339,65 @@
           <a:lstStyle/>
           <a:p>
             <a:r>
-              <a:rPr lang="en-US" dirty="0" err="1" smtClean="0"/>
+              <a:rPr lang="en-US" dirty="0" err="1"/>
               <a:t>Simonyan</a:t>
             </a:r>
             <a:r>
-              <a:rPr lang="en-US" dirty="0" smtClean="0"/>
-              <a:t> </a:t>
-            </a:r>
-            <a:r>
               <a:rPr lang="en-US" dirty="0"/>
-              <a:t>and </a:t>
-            </a:r>
-            <a:r>
-              <a:rPr lang="en-US" dirty="0" smtClean="0"/>
-              <a:t>Zisserman</a:t>
+              <a:t> and Zisserman</a:t>
             </a:r>
           </a:p>
           <a:p>
             <a:pPr lvl="1"/>
             <a:r>
-              <a:rPr lang="en-US" dirty="0" smtClean="0"/>
-              <a:t>Visual </a:t>
-            </a:r>
-            <a:r>
               <a:rPr lang="en-US" dirty="0"/>
-              <a:t>Geometry Group (</a:t>
-            </a:r>
-            <a:r>
-              <a:rPr lang="en-US" dirty="0" smtClean="0"/>
-              <a:t>VGG)</a:t>
+              <a:t>Visual Geometry Group (VGG)</a:t>
             </a:r>
           </a:p>
           <a:p>
             <a:pPr lvl="1"/>
             <a:r>
-              <a:rPr lang="en-US" dirty="0" smtClean="0"/>
-              <a:t>University </a:t>
-            </a:r>
-            <a:r>
               <a:rPr lang="en-US" dirty="0"/>
-              <a:t>of </a:t>
-            </a:r>
-            <a:r>
-              <a:rPr lang="en-US" dirty="0" smtClean="0"/>
-              <a:t>Oxford</a:t>
+              <a:t>University of Oxford</a:t>
             </a:r>
           </a:p>
           <a:p>
             <a:pPr lvl="1"/>
             <a:r>
-              <a:rPr lang="en-US" dirty="0" smtClean="0"/>
+              <a:rPr lang="en-US" dirty="0"/>
               <a:t>2014</a:t>
             </a:r>
           </a:p>
           <a:p>
             <a:r>
-              <a:rPr lang="en-US" dirty="0" smtClean="0"/>
+              <a:rPr lang="en-US" dirty="0"/>
               <a:t>Puissant</a:t>
             </a:r>
           </a:p>
           <a:p>
             <a:r>
-              <a:rPr lang="en-US" dirty="0" err="1" smtClean="0"/>
+              <a:rPr lang="en-US" dirty="0" err="1"/>
               <a:t>Volumineux</a:t>
             </a:r>
             <a:endParaRPr lang="en-US" dirty="0"/>
           </a:p>
           <a:p>
             <a:r>
-              <a:rPr lang="en-US" dirty="0" smtClean="0"/>
+              <a:rPr lang="en-US" dirty="0"/>
               <a:t>Lent</a:t>
             </a:r>
           </a:p>
           <a:p>
             <a:r>
-              <a:rPr lang="en-US" dirty="0" err="1" smtClean="0"/>
+              <a:rPr lang="en-US" dirty="0" err="1"/>
               <a:t>Nécessite</a:t>
             </a:r>
             <a:r>
-              <a:rPr lang="en-US" dirty="0" smtClean="0"/>
+              <a:rPr lang="en-US" dirty="0"/>
               <a:t> beaucoup de </a:t>
             </a:r>
             <a:r>
-              <a:rPr lang="en-US" dirty="0" err="1" smtClean="0"/>
+              <a:rPr lang="en-US" dirty="0" err="1"/>
               <a:t>données</a:t>
             </a:r>
             <a:endParaRPr lang="fr-FR" dirty="0"/>
@@ -4504,7 +4450,7 @@
           <a:lstStyle/>
           <a:p>
             <a:r>
-              <a:rPr lang="fr-FR" dirty="0" err="1" smtClean="0"/>
+              <a:rPr lang="fr-FR" dirty="0" err="1"/>
               <a:t>Inception</a:t>
             </a:r>
             <a:endParaRPr lang="fr-FR" dirty="0"/>
@@ -4527,22 +4473,21 @@
           <a:lstStyle/>
           <a:p>
             <a:r>
-              <a:rPr lang="fr-FR" dirty="0" smtClean="0"/>
+              <a:rPr lang="fr-FR" dirty="0"/>
               <a:t>Google</a:t>
             </a:r>
           </a:p>
           <a:p>
             <a:r>
-              <a:rPr lang="fr-FR" dirty="0" smtClean="0"/>
+              <a:rPr lang="fr-FR" dirty="0"/>
               <a:t>2016</a:t>
             </a:r>
           </a:p>
           <a:p>
             <a:r>
-              <a:rPr lang="fr-FR" dirty="0" smtClean="0"/>
-              <a:t>Non MLP</a:t>
-            </a:r>
-            <a:endParaRPr lang="fr-FR" dirty="0"/>
+              <a:rPr lang="fr-FR" dirty="0"/>
+              <a:t>Non séquentiel</a:t>
+            </a:r>
           </a:p>
         </p:txBody>
       </p:sp>
@@ -4633,11 +4578,11 @@
           <a:lstStyle/>
           <a:p>
             <a:r>
-              <a:rPr lang="fr-FR" dirty="0" smtClean="0"/>
+              <a:rPr lang="fr-FR" dirty="0"/>
               <a:t>Détail d’</a:t>
             </a:r>
             <a:r>
-              <a:rPr lang="fr-FR" dirty="0" err="1" smtClean="0"/>
+              <a:rPr lang="fr-FR" dirty="0" err="1"/>
               <a:t>inception</a:t>
             </a:r>
             <a:endParaRPr lang="fr-FR" dirty="0"/>
@@ -4731,7 +4676,7 @@
           <a:lstStyle/>
           <a:p>
             <a:r>
-              <a:rPr lang="fr-FR" dirty="0" err="1" smtClean="0"/>
+              <a:rPr lang="fr-FR" dirty="0" err="1"/>
               <a:t>XCeption</a:t>
             </a:r>
             <a:endParaRPr lang="fr-FR" dirty="0"/>
@@ -4754,16 +4699,15 @@
           <a:lstStyle/>
           <a:p>
             <a:r>
-              <a:rPr lang="fr-FR" dirty="0" smtClean="0"/>
+              <a:rPr lang="fr-FR" dirty="0"/>
               <a:t>Francois Chollet – Google</a:t>
             </a:r>
           </a:p>
           <a:p>
             <a:r>
-              <a:rPr lang="fr-FR" dirty="0" smtClean="0"/>
+              <a:rPr lang="fr-FR" dirty="0"/>
               <a:t>2016</a:t>
             </a:r>
-            <a:endParaRPr lang="fr-FR" dirty="0"/>
           </a:p>
         </p:txBody>
       </p:sp>
@@ -4854,14 +4798,13 @@
           <a:lstStyle/>
           <a:p>
             <a:r>
-              <a:rPr lang="fr-FR" dirty="0" err="1" smtClean="0"/>
+              <a:rPr lang="fr-FR" dirty="0" err="1"/>
               <a:t>Residual</a:t>
             </a:r>
             <a:r>
-              <a:rPr lang="fr-FR" dirty="0" smtClean="0"/>
+              <a:rPr lang="fr-FR" dirty="0"/>
               <a:t> Network</a:t>
             </a:r>
-            <a:endParaRPr lang="fr-FR" dirty="0"/>
           </a:p>
         </p:txBody>
       </p:sp>
@@ -4881,10 +4824,9 @@
           <a:lstStyle/>
           <a:p>
             <a:r>
-              <a:rPr lang="fr-FR" dirty="0" smtClean="0"/>
+              <a:rPr lang="fr-FR" dirty="0"/>
               <a:t>Permet de sauter un layer</a:t>
             </a:r>
-            <a:endParaRPr lang="fr-FR" dirty="0"/>
           </a:p>
         </p:txBody>
       </p:sp>
@@ -4975,7 +4917,7 @@
           <a:lstStyle/>
           <a:p>
             <a:r>
-              <a:rPr lang="fr-FR" dirty="0" err="1" smtClean="0"/>
+              <a:rPr lang="fr-FR" dirty="0" err="1"/>
               <a:t>ResNet</a:t>
             </a:r>
             <a:endParaRPr lang="fr-FR" dirty="0"/>
@@ -4998,28 +4940,27 @@
           <a:lstStyle/>
           <a:p>
             <a:r>
-              <a:rPr lang="fr-FR" dirty="0" err="1" smtClean="0"/>
+              <a:rPr lang="fr-FR" dirty="0" err="1"/>
               <a:t>ResNet</a:t>
             </a:r>
             <a:r>
-              <a:rPr lang="fr-FR" dirty="0" smtClean="0"/>
+              <a:rPr lang="fr-FR" dirty="0"/>
               <a:t> est un </a:t>
             </a:r>
             <a:r>
-              <a:rPr lang="fr-FR" dirty="0" err="1" smtClean="0"/>
+              <a:rPr lang="fr-FR" dirty="0" err="1"/>
               <a:t>Residual</a:t>
             </a:r>
             <a:r>
-              <a:rPr lang="fr-FR" dirty="0" smtClean="0"/>
+              <a:rPr lang="fr-FR" dirty="0"/>
               <a:t> Network</a:t>
             </a:r>
           </a:p>
           <a:p>
             <a:r>
-              <a:rPr lang="fr-FR" dirty="0" smtClean="0"/>
+              <a:rPr lang="fr-FR" dirty="0"/>
               <a:t>2015</a:t>
             </a:r>
-            <a:endParaRPr lang="fr-FR" dirty="0"/>
           </a:p>
         </p:txBody>
       </p:sp>

--- a/PPT/DeepLearning11-KerasModels.pptx
+++ b/PPT/DeepLearning11-KerasModels.pptx
@@ -5,10 +5,10 @@
     <p:sldMasterId id="2147483653" r:id="rId1"/>
   </p:sldMasterIdLst>
   <p:notesMasterIdLst>
-    <p:notesMasterId r:id="rId13"/>
+    <p:notesMasterId r:id="rId14"/>
   </p:notesMasterIdLst>
   <p:handoutMasterIdLst>
-    <p:handoutMasterId r:id="rId14"/>
+    <p:handoutMasterId r:id="rId15"/>
   </p:handoutMasterIdLst>
   <p:sldIdLst>
     <p:sldId id="264" r:id="rId2"/>
@@ -18,10 +18,11 @@
     <p:sldId id="353" r:id="rId6"/>
     <p:sldId id="354" r:id="rId7"/>
     <p:sldId id="355" r:id="rId8"/>
-    <p:sldId id="356" r:id="rId9"/>
-    <p:sldId id="357" r:id="rId10"/>
-    <p:sldId id="359" r:id="rId11"/>
-    <p:sldId id="358" r:id="rId12"/>
+    <p:sldId id="361" r:id="rId9"/>
+    <p:sldId id="356" r:id="rId10"/>
+    <p:sldId id="357" r:id="rId11"/>
+    <p:sldId id="359" r:id="rId12"/>
+    <p:sldId id="358" r:id="rId13"/>
   </p:sldIdLst>
   <p:sldSz cx="9144000" cy="6858000" type="screen4x3"/>
   <p:notesSz cx="6648450" cy="9782175"/>
@@ -3812,6 +3813,140 @@
           <a:lstStyle/>
           <a:p>
             <a:r>
+              <a:rPr lang="fr-FR" dirty="0" err="1"/>
+              <a:t>ResNet</a:t>
+            </a:r>
+            <a:endParaRPr lang="fr-FR" dirty="0"/>
+          </a:p>
+        </p:txBody>
+      </p:sp>
+      <p:sp>
+        <p:nvSpPr>
+          <p:cNvPr id="3" name="Espace réservé du contenu 2"/>
+          <p:cNvSpPr>
+            <a:spLocks noGrp="1"/>
+          </p:cNvSpPr>
+          <p:nvPr>
+            <p:ph idx="1"/>
+          </p:nvPr>
+        </p:nvSpPr>
+        <p:spPr/>
+        <p:txBody>
+          <a:bodyPr/>
+          <a:lstStyle/>
+          <a:p>
+            <a:r>
+              <a:rPr lang="fr-FR" dirty="0" err="1"/>
+              <a:t>ResNet</a:t>
+            </a:r>
+            <a:r>
+              <a:rPr lang="fr-FR" dirty="0"/>
+              <a:t> est un </a:t>
+            </a:r>
+            <a:r>
+              <a:rPr lang="fr-FR" dirty="0" err="1"/>
+              <a:t>Residual</a:t>
+            </a:r>
+            <a:r>
+              <a:rPr lang="fr-FR" dirty="0"/>
+              <a:t> Network</a:t>
+            </a:r>
+          </a:p>
+          <a:p>
+            <a:r>
+              <a:rPr lang="fr-FR" dirty="0"/>
+              <a:t>2015</a:t>
+            </a:r>
+          </a:p>
+        </p:txBody>
+      </p:sp>
+      <p:pic>
+        <p:nvPicPr>
+          <p:cNvPr id="7170" name="Picture 2" descr="https://miro.medium.com/max/1905/1*6hF97Upuqg_LdsqWY6n_wg.png"/>
+          <p:cNvPicPr>
+            <a:picLocks noChangeAspect="1" noChangeArrowheads="1"/>
+          </p:cNvPicPr>
+          <p:nvPr/>
+        </p:nvPicPr>
+        <p:blipFill>
+          <a:blip r:embed="rId2">
+            <a:extLst>
+              <a:ext uri="{28A0092B-C50C-407E-A947-70E740481C1C}">
+                <a14:useLocalDpi xmlns:a14="http://schemas.microsoft.com/office/drawing/2010/main" val="0"/>
+              </a:ext>
+            </a:extLst>
+          </a:blip>
+          <a:srcRect/>
+          <a:stretch>
+            <a:fillRect/>
+          </a:stretch>
+        </p:blipFill>
+        <p:spPr bwMode="auto">
+          <a:xfrm>
+            <a:off x="179512" y="2492896"/>
+            <a:ext cx="8230753" cy="3623908"/>
+          </a:xfrm>
+          <a:prstGeom prst="rect">
+            <a:avLst/>
+          </a:prstGeom>
+          <a:noFill/>
+          <a:extLst>
+            <a:ext uri="{909E8E84-426E-40DD-AFC4-6F175D3DCCD1}">
+              <a14:hiddenFill xmlns:a14="http://schemas.microsoft.com/office/drawing/2010/main">
+                <a:solidFill>
+                  <a:srgbClr val="FFFFFF"/>
+                </a:solidFill>
+              </a14:hiddenFill>
+            </a:ext>
+          </a:extLst>
+        </p:spPr>
+      </p:pic>
+    </p:spTree>
+    <p:extLst>
+      <p:ext uri="{BB962C8B-B14F-4D97-AF65-F5344CB8AC3E}">
+        <p14:creationId xmlns:p14="http://schemas.microsoft.com/office/powerpoint/2010/main" val="3682729060"/>
+      </p:ext>
+    </p:extLst>
+  </p:cSld>
+  <p:clrMapOvr>
+    <a:masterClrMapping/>
+  </p:clrMapOvr>
+</p:sld>
+</file>
+
+<file path=ppt/slides/slide11.xml><?xml version="1.0" encoding="utf-8"?>
+<p:sld xmlns:a="http://schemas.openxmlformats.org/drawingml/2006/main" xmlns:r="http://schemas.openxmlformats.org/officeDocument/2006/relationships" xmlns:p="http://schemas.openxmlformats.org/presentationml/2006/main">
+  <p:cSld>
+    <p:spTree>
+      <p:nvGrpSpPr>
+        <p:cNvPr id="1" name=""/>
+        <p:cNvGrpSpPr/>
+        <p:nvPr/>
+      </p:nvGrpSpPr>
+      <p:grpSpPr>
+        <a:xfrm>
+          <a:off x="0" y="0"/>
+          <a:ext cx="0" cy="0"/>
+          <a:chOff x="0" y="0"/>
+          <a:chExt cx="0" cy="0"/>
+        </a:xfrm>
+      </p:grpSpPr>
+      <p:sp>
+        <p:nvSpPr>
+          <p:cNvPr id="2" name="Titre 1"/>
+          <p:cNvSpPr>
+            <a:spLocks noGrp="1"/>
+          </p:cNvSpPr>
+          <p:nvPr>
+            <p:ph type="title"/>
+          </p:nvPr>
+        </p:nvSpPr>
+        <p:spPr/>
+        <p:txBody>
+          <a:bodyPr/>
+          <a:lstStyle/>
+          <a:p>
+            <a:r>
               <a:rPr lang="fr-FR" dirty="0"/>
               <a:t>Liste des modèles </a:t>
             </a:r>
@@ -3860,7 +3995,7 @@
 </p:sld>
 </file>
 
-<file path=ppt/slides/slide11.xml><?xml version="1.0" encoding="utf-8"?>
+<file path=ppt/slides/slide12.xml><?xml version="1.0" encoding="utf-8"?>
 <p:sld xmlns:a="http://schemas.openxmlformats.org/drawingml/2006/main" xmlns:r="http://schemas.openxmlformats.org/officeDocument/2006/relationships" xmlns:p="http://schemas.openxmlformats.org/presentationml/2006/main">
   <p:cSld>
     <p:spTree>
@@ -4784,6 +4919,170 @@
       </p:grpSpPr>
       <p:sp>
         <p:nvSpPr>
+          <p:cNvPr id="2" name="Titre 1">
+            <a:extLst>
+              <a:ext uri="{FF2B5EF4-FFF2-40B4-BE49-F238E27FC236}">
+                <a16:creationId xmlns:a16="http://schemas.microsoft.com/office/drawing/2014/main" id="{C9C18B72-43C3-40AA-8432-BE55FB5172D9}"/>
+              </a:ext>
+            </a:extLst>
+          </p:cNvPr>
+          <p:cNvSpPr>
+            <a:spLocks noGrp="1"/>
+          </p:cNvSpPr>
+          <p:nvPr>
+            <p:ph type="title"/>
+          </p:nvPr>
+        </p:nvSpPr>
+        <p:spPr/>
+        <p:txBody>
+          <a:bodyPr/>
+          <a:lstStyle/>
+          <a:p>
+            <a:r>
+              <a:rPr lang="fr-FR" dirty="0"/>
+              <a:t>SeparableConv2d</a:t>
+            </a:r>
+          </a:p>
+        </p:txBody>
+      </p:sp>
+      <p:sp>
+        <p:nvSpPr>
+          <p:cNvPr id="3" name="Espace réservé du contenu 2">
+            <a:extLst>
+              <a:ext uri="{FF2B5EF4-FFF2-40B4-BE49-F238E27FC236}">
+                <a16:creationId xmlns:a16="http://schemas.microsoft.com/office/drawing/2014/main" id="{6CC04073-9745-42C0-92A2-3ECAF0AC00DA}"/>
+              </a:ext>
+            </a:extLst>
+          </p:cNvPr>
+          <p:cNvSpPr>
+            <a:spLocks noGrp="1"/>
+          </p:cNvSpPr>
+          <p:nvPr>
+            <p:ph idx="1"/>
+          </p:nvPr>
+        </p:nvSpPr>
+        <p:spPr/>
+        <p:txBody>
+          <a:bodyPr/>
+          <a:lstStyle/>
+          <a:p>
+            <a:r>
+              <a:rPr lang="fr-FR" dirty="0"/>
+              <a:t>Conv2d applique un kernel par canal</a:t>
+            </a:r>
+          </a:p>
+          <a:p>
+            <a:pPr lvl="1"/>
+            <a:r>
+              <a:rPr lang="fr-FR" dirty="0"/>
+              <a:t>Pour une image couleur, une convolution par couleur</a:t>
+            </a:r>
+          </a:p>
+          <a:p>
+            <a:r>
+              <a:rPr lang="fr-FR" dirty="0"/>
+              <a:t>SeparableConv2d va faire la convolution sur tous les canaux</a:t>
+            </a:r>
+          </a:p>
+          <a:p>
+            <a:endParaRPr lang="fr-FR" dirty="0"/>
+          </a:p>
+          <a:p>
+            <a:endParaRPr lang="fr-FR" dirty="0"/>
+          </a:p>
+          <a:p>
+            <a:endParaRPr lang="fr-FR" dirty="0"/>
+          </a:p>
+          <a:p>
+            <a:endParaRPr lang="fr-FR" dirty="0"/>
+          </a:p>
+          <a:p>
+            <a:r>
+              <a:rPr lang="fr-FR" dirty="0"/>
+              <a:t>SeparableConv2d(32,(1,1)) va simplement fusionner les 3 canaux par produits</a:t>
+            </a:r>
+          </a:p>
+        </p:txBody>
+      </p:sp>
+      <p:pic>
+        <p:nvPicPr>
+          <p:cNvPr id="1026" name="Picture 2">
+            <a:extLst>
+              <a:ext uri="{FF2B5EF4-FFF2-40B4-BE49-F238E27FC236}">
+                <a16:creationId xmlns:a16="http://schemas.microsoft.com/office/drawing/2014/main" id="{A94ED564-EC97-40A1-9888-07ABC136AA91}"/>
+              </a:ext>
+            </a:extLst>
+          </p:cNvPr>
+          <p:cNvPicPr>
+            <a:picLocks noChangeAspect="1" noChangeArrowheads="1"/>
+          </p:cNvPicPr>
+          <p:nvPr/>
+        </p:nvPicPr>
+        <p:blipFill>
+          <a:blip r:embed="rId2">
+            <a:extLst>
+              <a:ext uri="{28A0092B-C50C-407E-A947-70E740481C1C}">
+                <a14:useLocalDpi xmlns:a14="http://schemas.microsoft.com/office/drawing/2010/main" val="0"/>
+              </a:ext>
+            </a:extLst>
+          </a:blip>
+          <a:srcRect/>
+          <a:stretch>
+            <a:fillRect/>
+          </a:stretch>
+        </p:blipFill>
+        <p:spPr bwMode="auto">
+          <a:xfrm>
+            <a:off x="1177488" y="3444385"/>
+            <a:ext cx="5546923" cy="1630371"/>
+          </a:xfrm>
+          <a:prstGeom prst="rect">
+            <a:avLst/>
+          </a:prstGeom>
+          <a:noFill/>
+          <a:extLst>
+            <a:ext uri="{909E8E84-426E-40DD-AFC4-6F175D3DCCD1}">
+              <a14:hiddenFill xmlns:a14="http://schemas.microsoft.com/office/drawing/2010/main">
+                <a:solidFill>
+                  <a:srgbClr val="FFFFFF"/>
+                </a:solidFill>
+              </a14:hiddenFill>
+            </a:ext>
+          </a:extLst>
+        </p:spPr>
+      </p:pic>
+    </p:spTree>
+    <p:extLst>
+      <p:ext uri="{BB962C8B-B14F-4D97-AF65-F5344CB8AC3E}">
+        <p14:creationId xmlns:p14="http://schemas.microsoft.com/office/powerpoint/2010/main" val="2628087551"/>
+      </p:ext>
+    </p:extLst>
+  </p:cSld>
+  <p:clrMapOvr>
+    <a:masterClrMapping/>
+  </p:clrMapOvr>
+</p:sld>
+</file>
+
+<file path=ppt/slides/slide9.xml><?xml version="1.0" encoding="utf-8"?>
+<p:sld xmlns:a="http://schemas.openxmlformats.org/drawingml/2006/main" xmlns:r="http://schemas.openxmlformats.org/officeDocument/2006/relationships" xmlns:p="http://schemas.openxmlformats.org/presentationml/2006/main">
+  <p:cSld>
+    <p:spTree>
+      <p:nvGrpSpPr>
+        <p:cNvPr id="1" name=""/>
+        <p:cNvGrpSpPr/>
+        <p:nvPr/>
+      </p:nvGrpSpPr>
+      <p:grpSpPr>
+        <a:xfrm>
+          <a:off x="0" y="0"/>
+          <a:ext cx="0" cy="0"/>
+          <a:chOff x="0" y="0"/>
+          <a:chExt cx="0" cy="0"/>
+        </a:xfrm>
+      </p:grpSpPr>
+      <p:sp>
+        <p:nvSpPr>
           <p:cNvPr id="2" name="Titre 1"/>
           <p:cNvSpPr>
             <a:spLocks noGrp="1"/>
@@ -4875,140 +5174,6 @@
     <p:extLst>
       <p:ext uri="{BB962C8B-B14F-4D97-AF65-F5344CB8AC3E}">
         <p14:creationId xmlns:p14="http://schemas.microsoft.com/office/powerpoint/2010/main" val="1295735740"/>
-      </p:ext>
-    </p:extLst>
-  </p:cSld>
-  <p:clrMapOvr>
-    <a:masterClrMapping/>
-  </p:clrMapOvr>
-</p:sld>
-</file>
-
-<file path=ppt/slides/slide9.xml><?xml version="1.0" encoding="utf-8"?>
-<p:sld xmlns:a="http://schemas.openxmlformats.org/drawingml/2006/main" xmlns:r="http://schemas.openxmlformats.org/officeDocument/2006/relationships" xmlns:p="http://schemas.openxmlformats.org/presentationml/2006/main">
-  <p:cSld>
-    <p:spTree>
-      <p:nvGrpSpPr>
-        <p:cNvPr id="1" name=""/>
-        <p:cNvGrpSpPr/>
-        <p:nvPr/>
-      </p:nvGrpSpPr>
-      <p:grpSpPr>
-        <a:xfrm>
-          <a:off x="0" y="0"/>
-          <a:ext cx="0" cy="0"/>
-          <a:chOff x="0" y="0"/>
-          <a:chExt cx="0" cy="0"/>
-        </a:xfrm>
-      </p:grpSpPr>
-      <p:sp>
-        <p:nvSpPr>
-          <p:cNvPr id="2" name="Titre 1"/>
-          <p:cNvSpPr>
-            <a:spLocks noGrp="1"/>
-          </p:cNvSpPr>
-          <p:nvPr>
-            <p:ph type="title"/>
-          </p:nvPr>
-        </p:nvSpPr>
-        <p:spPr/>
-        <p:txBody>
-          <a:bodyPr/>
-          <a:lstStyle/>
-          <a:p>
-            <a:r>
-              <a:rPr lang="fr-FR" dirty="0" err="1"/>
-              <a:t>ResNet</a:t>
-            </a:r>
-            <a:endParaRPr lang="fr-FR" dirty="0"/>
-          </a:p>
-        </p:txBody>
-      </p:sp>
-      <p:sp>
-        <p:nvSpPr>
-          <p:cNvPr id="3" name="Espace réservé du contenu 2"/>
-          <p:cNvSpPr>
-            <a:spLocks noGrp="1"/>
-          </p:cNvSpPr>
-          <p:nvPr>
-            <p:ph idx="1"/>
-          </p:nvPr>
-        </p:nvSpPr>
-        <p:spPr/>
-        <p:txBody>
-          <a:bodyPr/>
-          <a:lstStyle/>
-          <a:p>
-            <a:r>
-              <a:rPr lang="fr-FR" dirty="0" err="1"/>
-              <a:t>ResNet</a:t>
-            </a:r>
-            <a:r>
-              <a:rPr lang="fr-FR" dirty="0"/>
-              <a:t> est un </a:t>
-            </a:r>
-            <a:r>
-              <a:rPr lang="fr-FR" dirty="0" err="1"/>
-              <a:t>Residual</a:t>
-            </a:r>
-            <a:r>
-              <a:rPr lang="fr-FR" dirty="0"/>
-              <a:t> Network</a:t>
-            </a:r>
-          </a:p>
-          <a:p>
-            <a:r>
-              <a:rPr lang="fr-FR" dirty="0"/>
-              <a:t>2015</a:t>
-            </a:r>
-          </a:p>
-        </p:txBody>
-      </p:sp>
-      <p:pic>
-        <p:nvPicPr>
-          <p:cNvPr id="7170" name="Picture 2" descr="https://miro.medium.com/max/1905/1*6hF97Upuqg_LdsqWY6n_wg.png"/>
-          <p:cNvPicPr>
-            <a:picLocks noChangeAspect="1" noChangeArrowheads="1"/>
-          </p:cNvPicPr>
-          <p:nvPr/>
-        </p:nvPicPr>
-        <p:blipFill>
-          <a:blip r:embed="rId2">
-            <a:extLst>
-              <a:ext uri="{28A0092B-C50C-407E-A947-70E740481C1C}">
-                <a14:useLocalDpi xmlns:a14="http://schemas.microsoft.com/office/drawing/2010/main" val="0"/>
-              </a:ext>
-            </a:extLst>
-          </a:blip>
-          <a:srcRect/>
-          <a:stretch>
-            <a:fillRect/>
-          </a:stretch>
-        </p:blipFill>
-        <p:spPr bwMode="auto">
-          <a:xfrm>
-            <a:off x="179512" y="2492896"/>
-            <a:ext cx="8230753" cy="3623908"/>
-          </a:xfrm>
-          <a:prstGeom prst="rect">
-            <a:avLst/>
-          </a:prstGeom>
-          <a:noFill/>
-          <a:extLst>
-            <a:ext uri="{909E8E84-426E-40DD-AFC4-6F175D3DCCD1}">
-              <a14:hiddenFill xmlns:a14="http://schemas.microsoft.com/office/drawing/2010/main">
-                <a:solidFill>
-                  <a:srgbClr val="FFFFFF"/>
-                </a:solidFill>
-              </a14:hiddenFill>
-            </a:ext>
-          </a:extLst>
-        </p:spPr>
-      </p:pic>
-    </p:spTree>
-    <p:extLst>
-      <p:ext uri="{BB962C8B-B14F-4D97-AF65-F5344CB8AC3E}">
-        <p14:creationId xmlns:p14="http://schemas.microsoft.com/office/powerpoint/2010/main" val="3682729060"/>
       </p:ext>
     </p:extLst>
   </p:cSld>

--- a/PPT/DeepLearning11-KerasModels.pptx
+++ b/PPT/DeepLearning11-KerasModels.pptx
@@ -4534,6 +4534,13 @@
             <a:r>
               <a:rPr lang="en-US" dirty="0" err="1"/>
               <a:t>données</a:t>
+            </a:r>
+            <a:endParaRPr lang="en-US" dirty="0"/>
+          </a:p>
+          <a:p>
+            <a:r>
+              <a:rPr lang="en-US" dirty="0" err="1"/>
+              <a:t>Elastique</a:t>
             </a:r>
             <a:endParaRPr lang="fr-FR" dirty="0"/>
           </a:p>

--- a/PPT/DeepLearning11-KerasModels.pptx
+++ b/PPT/DeepLearning11-KerasModels.pptx
@@ -5006,8 +5006,17 @@
           <a:p>
             <a:r>
               <a:rPr lang="fr-FR" dirty="0"/>
-              <a:t>SeparableConv2d(32,(1,1)) va simplement fusionner les 3 canaux par produits</a:t>
-            </a:r>
+              <a:t>SeparableConv2d(32,(1,1)) va simplement effectuer une </a:t>
+            </a:r>
+            <a:r>
+              <a:rPr lang="fr-FR" dirty="0" err="1"/>
+              <a:t>convultion</a:t>
+            </a:r>
+            <a:r>
+              <a:rPr lang="fr-FR"/>
+              <a:t> par canal</a:t>
+            </a:r>
+            <a:endParaRPr lang="fr-FR" dirty="0"/>
           </a:p>
         </p:txBody>
       </p:sp>

--- a/PPT/DeepLearning11-KerasModels.pptx
+++ b/PPT/DeepLearning11-KerasModels.pptx
@@ -5006,17 +5006,8 @@
           <a:p>
             <a:r>
               <a:rPr lang="fr-FR" dirty="0"/>
-              <a:t>SeparableConv2d(32,(1,1)) va simplement effectuer une </a:t>
-            </a:r>
-            <a:r>
-              <a:rPr lang="fr-FR" dirty="0" err="1"/>
-              <a:t>convultion</a:t>
-            </a:r>
-            <a:r>
-              <a:rPr lang="fr-FR"/>
-              <a:t> par canal</a:t>
-            </a:r>
-            <a:endParaRPr lang="fr-FR" dirty="0"/>
+              <a:t>SeparableConv2d(32,(1,1)) va simplement effectuer une convolution par canal</a:t>
+            </a:r>
           </a:p>
         </p:txBody>
       </p:sp>
